--- a/Desktop Publishing & Presentation Graphics Applications/Microsoft Office PowerPoint-Illustrated Series/Quest D.pptx
+++ b/Desktop Publishing & Presentation Graphics Applications/Microsoft Office PowerPoint-Illustrated Series/Quest D.pptx
@@ -155,7 +155,7 @@
 <file path=ppt/revisionInfo.xml><?xml version="1.0" encoding="utf-8"?>
 <p1510:revInfo xmlns:a="http://schemas.openxmlformats.org/drawingml/2006/main" xmlns:r="http://schemas.openxmlformats.org/officeDocument/2006/relationships" xmlns:p1510="http://schemas.microsoft.com/office/powerpoint/2015/10/main">
   <p1510:revLst>
-    <p1510:client id="{448134DD-BEF6-4558-AF99-F74E5FAB8C24}" v="3" dt="2019-03-03T00:58:17.943"/>
+    <p1510:client id="{448134DD-BEF6-4558-AF99-F74E5FAB8C24}" v="15" dt="2019-03-03T21:54:50.740"/>
   </p1510:revLst>
 </p1510:revInfo>
 </file>
@@ -3723,7 +3723,7 @@
             <a:fld id="{AB007AC3-73B9-4541-9372-F05706179EE5}" type="datetimeFigureOut">
               <a:rPr lang="en-US" smtClean="0"/>
               <a:pPr/>
-              <a:t>3/2/2019</a:t>
+              <a:t>3/3/2019</a:t>
             </a:fld>
             <a:endParaRPr lang="en-US" dirty="0"/>
           </a:p>
@@ -3886,7 +3886,7 @@
             <a:fld id="{AB007AC3-73B9-4541-9372-F05706179EE5}" type="datetimeFigureOut">
               <a:rPr lang="en-US" smtClean="0"/>
               <a:pPr/>
-              <a:t>3/2/2019</a:t>
+              <a:t>3/3/2019</a:t>
             </a:fld>
             <a:endParaRPr lang="en-US" dirty="0"/>
           </a:p>
@@ -5294,6 +5294,18 @@
   <p:clrMapOvr>
     <a:masterClrMapping/>
   </p:clrMapOvr>
+  <mc:AlternateContent xmlns:mc="http://schemas.openxmlformats.org/markup-compatibility/2006">
+    <mc:Choice xmlns:p14="http://schemas.microsoft.com/office/powerpoint/2010/main" Requires="p14">
+      <p:transition spd="slow" p14:dur="1600" advTm="8000">
+        <p14:prism isInverted="1"/>
+      </p:transition>
+    </mc:Choice>
+    <mc:Fallback>
+      <p:transition spd="slow" advTm="8000">
+        <p:fade/>
+      </p:transition>
+    </mc:Fallback>
+  </mc:AlternateContent>
 </p:sldLayout>
 </file>
 
@@ -5454,6 +5466,18 @@
   <p:clrMapOvr>
     <a:masterClrMapping/>
   </p:clrMapOvr>
+  <mc:AlternateContent xmlns:mc="http://schemas.openxmlformats.org/markup-compatibility/2006">
+    <mc:Choice xmlns:p14="http://schemas.microsoft.com/office/powerpoint/2010/main" Requires="p14">
+      <p:transition spd="slow" p14:dur="1600" advTm="8000">
+        <p14:prism isInverted="1"/>
+      </p:transition>
+    </mc:Choice>
+    <mc:Fallback>
+      <p:transition spd="slow" advTm="8000">
+        <p:fade/>
+      </p:transition>
+    </mc:Fallback>
+  </mc:AlternateContent>
 </p:sldLayout>
 </file>
 
@@ -5659,7 +5683,7 @@
             <a:fld id="{BB3A0462-42A1-4646-A622-93AA3CAB9A9B}" type="datetime2">
               <a:rPr lang="en-US" smtClean="0"/>
               <a:pPr/>
-              <a:t>Saturday, March 2, 2019</a:t>
+              <a:t>Sunday, March 3, 2019</a:t>
             </a:fld>
             <a:endParaRPr lang="en-US" dirty="0"/>
           </a:p>
@@ -5901,6 +5925,18 @@
   <p:clrMapOvr>
     <a:masterClrMapping/>
   </p:clrMapOvr>
+  <mc:AlternateContent xmlns:mc="http://schemas.openxmlformats.org/markup-compatibility/2006">
+    <mc:Choice xmlns:p14="http://schemas.microsoft.com/office/powerpoint/2010/main" Requires="p14">
+      <p:transition spd="slow" p14:dur="1600" advTm="8000">
+        <p14:prism isInverted="1"/>
+      </p:transition>
+    </mc:Choice>
+    <mc:Fallback>
+      <p:transition spd="slow" advTm="8000">
+        <p:fade/>
+      </p:transition>
+    </mc:Fallback>
+  </mc:AlternateContent>
 </p:sldLayout>
 </file>
 
@@ -6213,6 +6249,18 @@
   <p:clrMapOvr>
     <a:masterClrMapping/>
   </p:clrMapOvr>
+  <mc:AlternateContent xmlns:mc="http://schemas.openxmlformats.org/markup-compatibility/2006">
+    <mc:Choice xmlns:p14="http://schemas.microsoft.com/office/powerpoint/2010/main" Requires="p14">
+      <p:transition spd="slow" p14:dur="1600" advTm="8000">
+        <p14:prism isInverted="1"/>
+      </p:transition>
+    </mc:Choice>
+    <mc:Fallback>
+      <p:transition spd="slow" advTm="8000">
+        <p:fade/>
+      </p:transition>
+    </mc:Fallback>
+  </mc:AlternateContent>
 </p:sldLayout>
 </file>
 
@@ -6685,6 +6733,18 @@
   <p:clrMapOvr>
     <a:masterClrMapping/>
   </p:clrMapOvr>
+  <mc:AlternateContent xmlns:mc="http://schemas.openxmlformats.org/markup-compatibility/2006">
+    <mc:Choice xmlns:p14="http://schemas.microsoft.com/office/powerpoint/2010/main" Requires="p14">
+      <p:transition spd="slow" p14:dur="1600" advTm="8000">
+        <p14:prism isInverted="1"/>
+      </p:transition>
+    </mc:Choice>
+    <mc:Fallback>
+      <p:transition spd="slow" advTm="8000">
+        <p:fade/>
+      </p:transition>
+    </mc:Fallback>
+  </mc:AlternateContent>
 </p:sldLayout>
 </file>
 
@@ -6799,6 +6859,18 @@
   <p:clrMapOvr>
     <a:masterClrMapping/>
   </p:clrMapOvr>
+  <mc:AlternateContent xmlns:mc="http://schemas.openxmlformats.org/markup-compatibility/2006">
+    <mc:Choice xmlns:p14="http://schemas.microsoft.com/office/powerpoint/2010/main" Requires="p14">
+      <p:transition spd="slow" p14:dur="1600" advTm="8000">
+        <p14:prism isInverted="1"/>
+      </p:transition>
+    </mc:Choice>
+    <mc:Fallback>
+      <p:transition spd="slow" advTm="8000">
+        <p:fade/>
+      </p:transition>
+    </mc:Fallback>
+  </mc:AlternateContent>
 </p:sldLayout>
 </file>
 
@@ -6986,6 +7058,18 @@
   <p:clrMapOvr>
     <a:masterClrMapping/>
   </p:clrMapOvr>
+  <mc:AlternateContent xmlns:mc="http://schemas.openxmlformats.org/markup-compatibility/2006">
+    <mc:Choice xmlns:p14="http://schemas.microsoft.com/office/powerpoint/2010/main" Requires="p14">
+      <p:transition spd="slow" p14:dur="1600" advTm="8000">
+        <p14:prism isInverted="1"/>
+      </p:transition>
+    </mc:Choice>
+    <mc:Fallback>
+      <p:transition spd="slow" advTm="8000">
+        <p:fade/>
+      </p:transition>
+    </mc:Fallback>
+  </mc:AlternateContent>
 </p:sldLayout>
 </file>
 
@@ -7238,6 +7322,18 @@
   <p:clrMapOvr>
     <a:masterClrMapping/>
   </p:clrMapOvr>
+  <mc:AlternateContent xmlns:mc="http://schemas.openxmlformats.org/markup-compatibility/2006">
+    <mc:Choice xmlns:p14="http://schemas.microsoft.com/office/powerpoint/2010/main" Requires="p14">
+      <p:transition spd="slow" p14:dur="1600" advTm="8000">
+        <p14:prism isInverted="1"/>
+      </p:transition>
+    </mc:Choice>
+    <mc:Fallback>
+      <p:transition spd="slow" advTm="8000">
+        <p:fade/>
+      </p:transition>
+    </mc:Fallback>
+  </mc:AlternateContent>
 </p:sldLayout>
 </file>
 
@@ -7450,6 +7546,18 @@
   <p:clrMapOvr>
     <a:masterClrMapping/>
   </p:clrMapOvr>
+  <mc:AlternateContent xmlns:mc="http://schemas.openxmlformats.org/markup-compatibility/2006">
+    <mc:Choice xmlns:p14="http://schemas.microsoft.com/office/powerpoint/2010/main" Requires="p14">
+      <p:transition spd="slow" p14:dur="1600" advTm="8000">
+        <p14:prism isInverted="1"/>
+      </p:transition>
+    </mc:Choice>
+    <mc:Fallback>
+      <p:transition spd="slow" advTm="8000">
+        <p:fade/>
+      </p:transition>
+    </mc:Fallback>
+  </mc:AlternateContent>
 </p:sldLayout>
 </file>
 
@@ -8076,6 +8184,18 @@
     <p:sldLayoutId id="2147483656" r:id="rId8"/>
     <p:sldLayoutId id="2147483657" r:id="rId9"/>
   </p:sldLayoutIdLst>
+  <mc:AlternateContent xmlns:mc="http://schemas.openxmlformats.org/markup-compatibility/2006">
+    <mc:Choice xmlns:p14="http://schemas.microsoft.com/office/powerpoint/2010/main" Requires="p14">
+      <p:transition spd="slow" p14:dur="1600" advTm="8000">
+        <p14:prism isInverted="1"/>
+      </p:transition>
+    </mc:Choice>
+    <mc:Fallback>
+      <p:transition spd="slow" advTm="8000">
+        <p:fade/>
+      </p:transition>
+    </mc:Fallback>
+  </mc:AlternateContent>
   <p:hf hdr="0" ftr="0" dt="0"/>
   <p:txStyles>
     <p:titleStyle>
@@ -8583,6 +8703,18 @@
   <p:clrMapOvr>
     <a:masterClrMapping/>
   </p:clrMapOvr>
+  <mc:AlternateContent xmlns:mc="http://schemas.openxmlformats.org/markup-compatibility/2006">
+    <mc:Choice xmlns:p14="http://schemas.microsoft.com/office/powerpoint/2010/main" Requires="p14">
+      <p:transition spd="slow" p14:dur="1600" advTm="8000">
+        <p14:prism isInverted="1"/>
+      </p:transition>
+    </mc:Choice>
+    <mc:Fallback>
+      <p:transition spd="slow" advTm="8000">
+        <p:fade/>
+      </p:transition>
+    </mc:Fallback>
+  </mc:AlternateContent>
 </p:sld>
 </file>
 
@@ -9088,6 +9220,18 @@
   <p:clrMapOvr>
     <a:masterClrMapping/>
   </p:clrMapOvr>
+  <mc:AlternateContent xmlns:mc="http://schemas.openxmlformats.org/markup-compatibility/2006">
+    <mc:Choice xmlns:p14="http://schemas.microsoft.com/office/powerpoint/2010/main" Requires="p14">
+      <p:transition spd="slow" p14:dur="1600" advTm="8000">
+        <p14:prism isInverted="1"/>
+      </p:transition>
+    </mc:Choice>
+    <mc:Fallback>
+      <p:transition spd="slow" advTm="8000">
+        <p:fade/>
+      </p:transition>
+    </mc:Fallback>
+  </mc:AlternateContent>
 </p:sld>
 </file>
 
@@ -9265,6 +9409,18 @@
   <p:clrMapOvr>
     <a:masterClrMapping/>
   </p:clrMapOvr>
+  <mc:AlternateContent xmlns:mc="http://schemas.openxmlformats.org/markup-compatibility/2006">
+    <mc:Choice xmlns:p14="http://schemas.microsoft.com/office/powerpoint/2010/main" Requires="p14">
+      <p:transition spd="slow" p14:dur="1600" advTm="8000">
+        <p14:prism isInverted="1"/>
+      </p:transition>
+    </mc:Choice>
+    <mc:Fallback>
+      <p:transition spd="slow" advTm="8000">
+        <p:fade/>
+      </p:transition>
+    </mc:Fallback>
+  </mc:AlternateContent>
 </p:sld>
 </file>
 
@@ -9534,6 +9690,18 @@
   <p:clrMapOvr>
     <a:masterClrMapping/>
   </p:clrMapOvr>
+  <mc:AlternateContent xmlns:mc="http://schemas.openxmlformats.org/markup-compatibility/2006">
+    <mc:Choice xmlns:p14="http://schemas.microsoft.com/office/powerpoint/2010/main" Requires="p14">
+      <p:transition spd="slow" p14:dur="1600" advTm="8000">
+        <p14:prism isInverted="1"/>
+      </p:transition>
+    </mc:Choice>
+    <mc:Fallback>
+      <p:transition spd="slow" advTm="8000">
+        <p:fade/>
+      </p:transition>
+    </mc:Fallback>
+  </mc:AlternateContent>
 </p:sld>
 </file>
 
@@ -9631,6 +9799,18 @@
   <p:clrMapOvr>
     <a:masterClrMapping/>
   </p:clrMapOvr>
+  <mc:AlternateContent xmlns:mc="http://schemas.openxmlformats.org/markup-compatibility/2006">
+    <mc:Choice xmlns:p14="http://schemas.microsoft.com/office/powerpoint/2010/main" Requires="p14">
+      <p:transition spd="slow" p14:dur="1600" advTm="8000">
+        <p14:prism isInverted="1"/>
+      </p:transition>
+    </mc:Choice>
+    <mc:Fallback>
+      <p:transition spd="slow" advTm="8000">
+        <p:fade/>
+      </p:transition>
+    </mc:Fallback>
+  </mc:AlternateContent>
 </p:sld>
 </file>
 
@@ -9803,6 +9983,18 @@
   <p:clrMapOvr>
     <a:masterClrMapping/>
   </p:clrMapOvr>
+  <mc:AlternateContent xmlns:mc="http://schemas.openxmlformats.org/markup-compatibility/2006">
+    <mc:Choice xmlns:p14="http://schemas.microsoft.com/office/powerpoint/2010/main" Requires="p14">
+      <p:transition spd="slow" p14:dur="1600" advTm="8000">
+        <p14:prism isInverted="1"/>
+      </p:transition>
+    </mc:Choice>
+    <mc:Fallback>
+      <p:transition spd="slow" advTm="8000">
+        <p:fade/>
+      </p:transition>
+    </mc:Fallback>
+  </mc:AlternateContent>
 </p:sld>
 </file>
 
@@ -9937,6 +10129,18 @@
   <p:clrMapOvr>
     <a:masterClrMapping/>
   </p:clrMapOvr>
+  <mc:AlternateContent xmlns:mc="http://schemas.openxmlformats.org/markup-compatibility/2006">
+    <mc:Choice xmlns:p14="http://schemas.microsoft.com/office/powerpoint/2010/main" Requires="p14">
+      <p:transition spd="slow" p14:dur="1600" advTm="8000">
+        <p14:prism isInverted="1"/>
+      </p:transition>
+    </mc:Choice>
+    <mc:Fallback>
+      <p:transition spd="slow" advTm="8000">
+        <p:fade/>
+      </p:transition>
+    </mc:Fallback>
+  </mc:AlternateContent>
 </p:sld>
 </file>
 
@@ -10071,6 +10275,18 @@
   <p:clrMapOvr>
     <a:masterClrMapping/>
   </p:clrMapOvr>
+  <mc:AlternateContent xmlns:mc="http://schemas.openxmlformats.org/markup-compatibility/2006">
+    <mc:Choice xmlns:p14="http://schemas.microsoft.com/office/powerpoint/2010/main" Requires="p14">
+      <p:transition spd="slow" p14:dur="1600" advTm="8000">
+        <p14:prism isInverted="1"/>
+      </p:transition>
+    </mc:Choice>
+    <mc:Fallback>
+      <p:transition spd="slow" advTm="8000">
+        <p:fade/>
+      </p:transition>
+    </mc:Fallback>
+  </mc:AlternateContent>
 </p:sld>
 </file>
 
@@ -10249,6 +10465,18 @@
   <p:clrMapOvr>
     <a:masterClrMapping/>
   </p:clrMapOvr>
+  <mc:AlternateContent xmlns:mc="http://schemas.openxmlformats.org/markup-compatibility/2006">
+    <mc:Choice xmlns:p14="http://schemas.microsoft.com/office/powerpoint/2010/main" Requires="p14">
+      <p:transition spd="slow" p14:dur="1600" advTm="8000">
+        <p14:prism isInverted="1"/>
+      </p:transition>
+    </mc:Choice>
+    <mc:Fallback>
+      <p:transition spd="slow" advTm="8000">
+        <p:fade/>
+      </p:transition>
+    </mc:Fallback>
+  </mc:AlternateContent>
 </p:sld>
 </file>
 
@@ -10338,6 +10566,18 @@
   <p:clrMapOvr>
     <a:masterClrMapping/>
   </p:clrMapOvr>
+  <mc:AlternateContent xmlns:mc="http://schemas.openxmlformats.org/markup-compatibility/2006">
+    <mc:Choice xmlns:p14="http://schemas.microsoft.com/office/powerpoint/2010/main" Requires="p14">
+      <p:transition spd="slow" p14:dur="1600" advTm="8000">
+        <p14:prism isInverted="1"/>
+      </p:transition>
+    </mc:Choice>
+    <mc:Fallback>
+      <p:transition spd="slow" advTm="8000">
+        <p:fade/>
+      </p:transition>
+    </mc:Fallback>
+  </mc:AlternateContent>
 </p:sld>
 </file>
 
